--- a/My_Project/Documentation/Implement_Trace_SDR_Method.pptx
+++ b/My_Project/Documentation/Implement_Trace_SDR_Method.pptx
@@ -818,7 +818,7 @@
   <p:cSld>
     <p:spTree>
       <p:nvGrpSpPr>
-        <p:cNvPr id="60" name="Shape 60"/>
+        <p:cNvPr id="61" name="Shape 61"/>
         <p:cNvGrpSpPr/>
         <p:nvPr/>
       </p:nvGrpSpPr>
@@ -832,7 +832,7 @@
       </p:grpSpPr>
       <p:sp>
         <p:nvSpPr>
-          <p:cNvPr id="61" name="Google Shape;61;g12099c2a253_0_214:notes"/>
+          <p:cNvPr id="62" name="Google Shape;62;g12099c2a253_0_214:notes"/>
           <p:cNvSpPr/>
           <p:nvPr>
             <p:ph idx="2" type="sldImg"/>
@@ -867,7 +867,7 @@
       </p:sp>
       <p:sp>
         <p:nvSpPr>
-          <p:cNvPr id="62" name="Google Shape;62;g12099c2a253_0_214:notes"/>
+          <p:cNvPr id="63" name="Google Shape;63;g12099c2a253_0_214:notes"/>
           <p:cNvSpPr txBox="1"/>
           <p:nvPr>
             <p:ph idx="1" type="body"/>
@@ -917,7 +917,7 @@
   <p:cSld>
     <p:spTree>
       <p:nvGrpSpPr>
-        <p:cNvPr id="78" name="Shape 78"/>
+        <p:cNvPr id="79" name="Shape 79"/>
         <p:cNvGrpSpPr/>
         <p:nvPr/>
       </p:nvGrpSpPr>
@@ -931,7 +931,7 @@
       </p:grpSpPr>
       <p:sp>
         <p:nvSpPr>
-          <p:cNvPr id="79" name="Google Shape;79;g12099c2a253_0_624:notes"/>
+          <p:cNvPr id="80" name="Google Shape;80;g12099c2a253_0_624:notes"/>
           <p:cNvSpPr/>
           <p:nvPr>
             <p:ph idx="2" type="sldImg"/>
@@ -966,7 +966,7 @@
       </p:sp>
       <p:sp>
         <p:nvSpPr>
-          <p:cNvPr id="80" name="Google Shape;80;g12099c2a253_0_624:notes"/>
+          <p:cNvPr id="81" name="Google Shape;81;g12099c2a253_0_624:notes"/>
           <p:cNvSpPr txBox="1"/>
           <p:nvPr>
             <p:ph idx="1" type="body"/>
@@ -1016,7 +1016,7 @@
   <p:cSld>
     <p:spTree>
       <p:nvGrpSpPr>
-        <p:cNvPr id="89" name="Shape 89"/>
+        <p:cNvPr id="90" name="Shape 90"/>
         <p:cNvGrpSpPr/>
         <p:nvPr/>
       </p:nvGrpSpPr>
@@ -1030,7 +1030,7 @@
       </p:grpSpPr>
       <p:sp>
         <p:nvSpPr>
-          <p:cNvPr id="90" name="Google Shape;90;g12099c2a253_0_690:notes"/>
+          <p:cNvPr id="91" name="Google Shape;91;g12099c2a253_0_690:notes"/>
           <p:cNvSpPr/>
           <p:nvPr>
             <p:ph idx="2" type="sldImg"/>
@@ -1065,7 +1065,7 @@
       </p:sp>
       <p:sp>
         <p:nvSpPr>
-          <p:cNvPr id="91" name="Google Shape;91;g12099c2a253_0_690:notes"/>
+          <p:cNvPr id="92" name="Google Shape;92;g12099c2a253_0_690:notes"/>
           <p:cNvSpPr txBox="1"/>
           <p:nvPr>
             <p:ph idx="1" type="body"/>
@@ -1115,7 +1115,7 @@
   <p:cSld>
     <p:spTree>
       <p:nvGrpSpPr>
-        <p:cNvPr id="102" name="Shape 102"/>
+        <p:cNvPr id="103" name="Shape 103"/>
         <p:cNvGrpSpPr/>
         <p:nvPr/>
       </p:nvGrpSpPr>
@@ -1129,7 +1129,7 @@
       </p:grpSpPr>
       <p:sp>
         <p:nvSpPr>
-          <p:cNvPr id="103" name="Google Shape;103;g12099c2a253_0_2528:notes"/>
+          <p:cNvPr id="104" name="Google Shape;104;g12099c2a253_0_2528:notes"/>
           <p:cNvSpPr/>
           <p:nvPr>
             <p:ph idx="2" type="sldImg"/>
@@ -1164,7 +1164,7 @@
       </p:sp>
       <p:sp>
         <p:nvSpPr>
-          <p:cNvPr id="104" name="Google Shape;104;g12099c2a253_0_2528:notes"/>
+          <p:cNvPr id="105" name="Google Shape;105;g12099c2a253_0_2528:notes"/>
           <p:cNvSpPr txBox="1"/>
           <p:nvPr>
             <p:ph idx="1" type="body"/>
@@ -1214,7 +1214,7 @@
   <p:cSld>
     <p:spTree>
       <p:nvGrpSpPr>
-        <p:cNvPr id="114" name="Shape 114"/>
+        <p:cNvPr id="115" name="Shape 115"/>
         <p:cNvGrpSpPr/>
         <p:nvPr/>
       </p:nvGrpSpPr>
@@ -1228,7 +1228,7 @@
       </p:grpSpPr>
       <p:sp>
         <p:nvSpPr>
-          <p:cNvPr id="115" name="Google Shape;115;g12099c2a253_0_2548:notes"/>
+          <p:cNvPr id="116" name="Google Shape;116;g12099c2a253_0_2548:notes"/>
           <p:cNvSpPr/>
           <p:nvPr>
             <p:ph idx="2" type="sldImg"/>
@@ -1263,7 +1263,7 @@
       </p:sp>
       <p:sp>
         <p:nvSpPr>
-          <p:cNvPr id="116" name="Google Shape;116;g12099c2a253_0_2548:notes"/>
+          <p:cNvPr id="117" name="Google Shape;117;g12099c2a253_0_2548:notes"/>
           <p:cNvSpPr txBox="1"/>
           <p:nvPr>
             <p:ph idx="1" type="body"/>
@@ -1313,7 +1313,7 @@
   <p:cSld>
     <p:spTree>
       <p:nvGrpSpPr>
-        <p:cNvPr id="124" name="Shape 124"/>
+        <p:cNvPr id="125" name="Shape 125"/>
         <p:cNvGrpSpPr/>
         <p:nvPr/>
       </p:nvGrpSpPr>
@@ -1327,7 +1327,7 @@
       </p:grpSpPr>
       <p:sp>
         <p:nvSpPr>
-          <p:cNvPr id="125" name="Google Shape;125;g12099c2a253_0_1712:notes"/>
+          <p:cNvPr id="126" name="Google Shape;126;g12099c2a253_0_1712:notes"/>
           <p:cNvSpPr/>
           <p:nvPr>
             <p:ph idx="2" type="sldImg"/>
@@ -1362,7 +1362,7 @@
       </p:sp>
       <p:sp>
         <p:nvSpPr>
-          <p:cNvPr id="126" name="Google Shape;126;g12099c2a253_0_1712:notes"/>
+          <p:cNvPr id="127" name="Google Shape;127;g12099c2a253_0_1712:notes"/>
           <p:cNvSpPr txBox="1"/>
           <p:nvPr>
             <p:ph idx="1" type="body"/>
@@ -1412,7 +1412,7 @@
   <p:cSld>
     <p:spTree>
       <p:nvGrpSpPr>
-        <p:cNvPr id="134" name="Shape 134"/>
+        <p:cNvPr id="135" name="Shape 135"/>
         <p:cNvGrpSpPr/>
         <p:nvPr/>
       </p:nvGrpSpPr>
@@ -1426,7 +1426,7 @@
       </p:grpSpPr>
       <p:sp>
         <p:nvSpPr>
-          <p:cNvPr id="135" name="Google Shape;135;g12099c2a253_0_1719:notes"/>
+          <p:cNvPr id="136" name="Google Shape;136;g12099c2a253_0_1719:notes"/>
           <p:cNvSpPr/>
           <p:nvPr>
             <p:ph idx="2" type="sldImg"/>
@@ -1461,7 +1461,7 @@
       </p:sp>
       <p:sp>
         <p:nvSpPr>
-          <p:cNvPr id="136" name="Google Shape;136;g12099c2a253_0_1719:notes"/>
+          <p:cNvPr id="137" name="Google Shape;137;g12099c2a253_0_1719:notes"/>
           <p:cNvSpPr txBox="1"/>
           <p:nvPr>
             <p:ph idx="1" type="body"/>
@@ -1511,7 +1511,7 @@
   <p:cSld>
     <p:spTree>
       <p:nvGrpSpPr>
-        <p:cNvPr id="178" name="Shape 178"/>
+        <p:cNvPr id="179" name="Shape 179"/>
         <p:cNvGrpSpPr/>
         <p:nvPr/>
       </p:nvGrpSpPr>
@@ -1525,7 +1525,7 @@
       </p:grpSpPr>
       <p:sp>
         <p:nvSpPr>
-          <p:cNvPr id="179" name="Google Shape;179;g12099c2a253_0_2479:notes"/>
+          <p:cNvPr id="180" name="Google Shape;180;g12099c2a253_0_2479:notes"/>
           <p:cNvSpPr/>
           <p:nvPr>
             <p:ph idx="2" type="sldImg"/>
@@ -1560,7 +1560,7 @@
       </p:sp>
       <p:sp>
         <p:nvSpPr>
-          <p:cNvPr id="180" name="Google Shape;180;g12099c2a253_0_2479:notes"/>
+          <p:cNvPr id="181" name="Google Shape;181;g12099c2a253_0_2479:notes"/>
           <p:cNvSpPr txBox="1"/>
           <p:nvPr>
             <p:ph idx="1" type="body"/>
@@ -7007,8 +7007,8 @@
         </p:nvSpPr>
         <p:spPr>
           <a:xfrm>
-            <a:off x="729625" y="3328750"/>
-            <a:ext cx="7974900" cy="909000"/>
+            <a:off x="741625" y="3412675"/>
+            <a:ext cx="7974900" cy="1335300"/>
           </a:xfrm>
           <a:prstGeom prst="rect">
             <a:avLst/>
@@ -7034,33 +7034,6 @@
               <a:buNone/>
             </a:pPr>
             <a:r>
-              <a:t/>
-            </a:r>
-            <a:endParaRPr b="1" sz="1030">
-              <a:solidFill>
-                <a:srgbClr val="0D1117"/>
-              </a:solidFill>
-              <a:latin typeface="Georgia"/>
-              <a:ea typeface="Georgia"/>
-              <a:cs typeface="Georgia"/>
-              <a:sym typeface="Georgia"/>
-            </a:endParaRPr>
-          </a:p>
-          <a:p>
-            <a:pPr indent="0" lvl="0" marL="0" rtl="0" algn="r">
-              <a:lnSpc>
-                <a:spcPct val="80000"/>
-              </a:lnSpc>
-              <a:spcBef>
-                <a:spcPts val="1200"/>
-              </a:spcBef>
-              <a:spcAft>
-                <a:spcPts val="0"/>
-              </a:spcAft>
-              <a:buSzPts val="852"/>
-              <a:buNone/>
-            </a:pPr>
-            <a:r>
               <a:rPr b="1" lang="en" sz="1030">
                 <a:solidFill>
                   <a:srgbClr val="0D1117"/>
@@ -7070,7 +7043,7 @@
                 <a:cs typeface="Georgia"/>
                 <a:sym typeface="Georgia"/>
               </a:rPr>
-              <a:t>Aishin Abdulla Yoosufali</a:t>
+              <a:t>Ang Ngawang Sherpa</a:t>
             </a:r>
             <a:endParaRPr b="1" sz="1030">
               <a:solidFill>
@@ -7142,7 +7115,7 @@
                 <a:cs typeface="Georgia"/>
                 <a:sym typeface="Georgia"/>
               </a:rPr>
-              <a:t>Matriculation Number: 1359022</a:t>
+              <a:t>ang.sherpa@stud.fra-uas.de</a:t>
             </a:r>
             <a:endParaRPr b="1" sz="1030">
               <a:solidFill>
@@ -7169,16 +7142,7 @@
               <a:buNone/>
             </a:pPr>
             <a:r>
-              <a:rPr b="1" lang="en" sz="1030">
-                <a:solidFill>
-                  <a:srgbClr val="0D1117"/>
-                </a:solidFill>
-                <a:latin typeface="Georgia"/>
-                <a:ea typeface="Georgia"/>
-                <a:cs typeface="Georgia"/>
-                <a:sym typeface="Georgia"/>
-              </a:rPr>
-              <a:t>aishinahmed20@gmail.com</a:t>
+              <a:t/>
             </a:r>
             <a:endParaRPr b="1" sz="1030">
               <a:solidFill>
@@ -7294,6 +7258,212 @@
           </a:p>
         </p:txBody>
       </p:sp>
+      <p:sp>
+        <p:nvSpPr>
+          <p:cNvPr id="60" name="Google Shape;60;p13"/>
+          <p:cNvSpPr txBox="1"/>
+          <p:nvPr/>
+        </p:nvSpPr>
+        <p:spPr>
+          <a:xfrm>
+            <a:off x="741625" y="3412675"/>
+            <a:ext cx="3250800" cy="1523100"/>
+          </a:xfrm>
+          <a:prstGeom prst="rect">
+            <a:avLst/>
+          </a:prstGeom>
+          <a:noFill/>
+          <a:ln>
+            <a:noFill/>
+          </a:ln>
+        </p:spPr>
+        <p:txBody>
+          <a:bodyPr anchorCtr="0" anchor="t" bIns="91425" lIns="91425" spcFirstLastPara="1" rIns="91425" wrap="square" tIns="91425">
+            <a:spAutoFit/>
+          </a:bodyPr>
+          <a:lstStyle/>
+          <a:p>
+            <a:pPr indent="0" lvl="0" marL="0" rtl="0" algn="l">
+              <a:lnSpc>
+                <a:spcPct val="80000"/>
+              </a:lnSpc>
+              <a:spcBef>
+                <a:spcPts val="0"/>
+              </a:spcBef>
+              <a:spcAft>
+                <a:spcPts val="0"/>
+              </a:spcAft>
+              <a:buClr>
+                <a:srgbClr val="000000"/>
+              </a:buClr>
+              <a:buSzPts val="852"/>
+              <a:buFont typeface="Arial"/>
+              <a:buNone/>
+            </a:pPr>
+            <a:r>
+              <a:rPr b="1" lang="en" sz="1030">
+                <a:solidFill>
+                  <a:srgbClr val="0D1117"/>
+                </a:solidFill>
+                <a:latin typeface="Georgia"/>
+                <a:ea typeface="Georgia"/>
+                <a:cs typeface="Georgia"/>
+                <a:sym typeface="Georgia"/>
+              </a:rPr>
+              <a:t>Aishin Abdulla Yoosufali</a:t>
+            </a:r>
+            <a:endParaRPr b="1" sz="1030">
+              <a:solidFill>
+                <a:srgbClr val="0D1117"/>
+              </a:solidFill>
+              <a:latin typeface="Georgia"/>
+              <a:ea typeface="Georgia"/>
+              <a:cs typeface="Georgia"/>
+              <a:sym typeface="Georgia"/>
+            </a:endParaRPr>
+          </a:p>
+          <a:p>
+            <a:pPr indent="0" lvl="0" marL="0" rtl="0" algn="l">
+              <a:lnSpc>
+                <a:spcPct val="80000"/>
+              </a:lnSpc>
+              <a:spcBef>
+                <a:spcPts val="1200"/>
+              </a:spcBef>
+              <a:spcAft>
+                <a:spcPts val="0"/>
+              </a:spcAft>
+              <a:buClr>
+                <a:srgbClr val="000000"/>
+              </a:buClr>
+              <a:buSzPts val="852"/>
+              <a:buFont typeface="Arial"/>
+              <a:buNone/>
+            </a:pPr>
+            <a:r>
+              <a:rPr b="1" lang="en" sz="1030">
+                <a:solidFill>
+                  <a:srgbClr val="0D1117"/>
+                </a:solidFill>
+                <a:latin typeface="Georgia"/>
+                <a:ea typeface="Georgia"/>
+                <a:cs typeface="Georgia"/>
+                <a:sym typeface="Georgia"/>
+              </a:rPr>
+              <a:t>M.Eng. Information Technology</a:t>
+            </a:r>
+            <a:endParaRPr b="1" sz="1030">
+              <a:solidFill>
+                <a:srgbClr val="0D1117"/>
+              </a:solidFill>
+              <a:latin typeface="Georgia"/>
+              <a:ea typeface="Georgia"/>
+              <a:cs typeface="Georgia"/>
+              <a:sym typeface="Georgia"/>
+            </a:endParaRPr>
+          </a:p>
+          <a:p>
+            <a:pPr indent="0" lvl="0" marL="0" rtl="0" algn="l">
+              <a:lnSpc>
+                <a:spcPct val="80000"/>
+              </a:lnSpc>
+              <a:spcBef>
+                <a:spcPts val="1200"/>
+              </a:spcBef>
+              <a:spcAft>
+                <a:spcPts val="0"/>
+              </a:spcAft>
+              <a:buClr>
+                <a:srgbClr val="000000"/>
+              </a:buClr>
+              <a:buSzPts val="852"/>
+              <a:buFont typeface="Arial"/>
+              <a:buNone/>
+            </a:pPr>
+            <a:r>
+              <a:rPr b="1" lang="en" sz="1030">
+                <a:solidFill>
+                  <a:srgbClr val="0D1117"/>
+                </a:solidFill>
+                <a:latin typeface="Georgia"/>
+                <a:ea typeface="Georgia"/>
+                <a:cs typeface="Georgia"/>
+                <a:sym typeface="Georgia"/>
+              </a:rPr>
+              <a:t>Matriculation Number: 1359022</a:t>
+            </a:r>
+            <a:endParaRPr b="1" sz="1030">
+              <a:solidFill>
+                <a:srgbClr val="0D1117"/>
+              </a:solidFill>
+              <a:latin typeface="Georgia"/>
+              <a:ea typeface="Georgia"/>
+              <a:cs typeface="Georgia"/>
+              <a:sym typeface="Georgia"/>
+            </a:endParaRPr>
+          </a:p>
+          <a:p>
+            <a:pPr indent="0" lvl="0" marL="0" rtl="0" algn="l">
+              <a:lnSpc>
+                <a:spcPct val="80000"/>
+              </a:lnSpc>
+              <a:spcBef>
+                <a:spcPts val="1200"/>
+              </a:spcBef>
+              <a:spcAft>
+                <a:spcPts val="0"/>
+              </a:spcAft>
+              <a:buClr>
+                <a:srgbClr val="000000"/>
+              </a:buClr>
+              <a:buSzPts val="852"/>
+              <a:buFont typeface="Arial"/>
+              <a:buNone/>
+            </a:pPr>
+            <a:r>
+              <a:rPr b="1" lang="en" sz="1030">
+                <a:solidFill>
+                  <a:srgbClr val="0D1117"/>
+                </a:solidFill>
+                <a:latin typeface="Georgia"/>
+                <a:ea typeface="Georgia"/>
+                <a:cs typeface="Georgia"/>
+                <a:sym typeface="Georgia"/>
+              </a:rPr>
+              <a:t>aishinabdullayoosufali@stud.fra-uas.de</a:t>
+            </a:r>
+            <a:endParaRPr b="1" sz="1030">
+              <a:solidFill>
+                <a:srgbClr val="0D1117"/>
+              </a:solidFill>
+              <a:latin typeface="Georgia"/>
+              <a:ea typeface="Georgia"/>
+              <a:cs typeface="Georgia"/>
+              <a:sym typeface="Georgia"/>
+            </a:endParaRPr>
+          </a:p>
+          <a:p>
+            <a:pPr indent="0" lvl="0" marL="0" rtl="0" algn="l">
+              <a:spcBef>
+                <a:spcPts val="1200"/>
+              </a:spcBef>
+              <a:spcAft>
+                <a:spcPts val="0"/>
+              </a:spcAft>
+              <a:buNone/>
+            </a:pPr>
+            <a:r>
+              <a:t/>
+            </a:r>
+            <a:endParaRPr>
+              <a:latin typeface="Proxima Nova"/>
+              <a:ea typeface="Proxima Nova"/>
+              <a:cs typeface="Proxima Nova"/>
+              <a:sym typeface="Proxima Nova"/>
+            </a:endParaRPr>
+          </a:p>
+        </p:txBody>
+      </p:sp>
     </p:spTree>
   </p:cSld>
   <p:clrMapOvr>
@@ -7307,7 +7477,7 @@
   <p:cSld>
     <p:spTree>
       <p:nvGrpSpPr>
-        <p:cNvPr id="63" name="Shape 63"/>
+        <p:cNvPr id="64" name="Shape 64"/>
         <p:cNvGrpSpPr/>
         <p:nvPr/>
       </p:nvGrpSpPr>
@@ -7321,7 +7491,7 @@
       </p:grpSpPr>
       <p:sp>
         <p:nvSpPr>
-          <p:cNvPr id="64" name="Google Shape;64;p14"/>
+          <p:cNvPr id="65" name="Google Shape;65;p14"/>
           <p:cNvSpPr txBox="1"/>
           <p:nvPr>
             <p:ph idx="4294967295" type="title"/>
@@ -7371,7 +7541,7 @@
       </p:sp>
       <p:grpSp>
         <p:nvGrpSpPr>
-          <p:cNvPr id="65" name="Google Shape;65;p14"/>
+          <p:cNvPr id="66" name="Google Shape;66;p14"/>
           <p:cNvGrpSpPr/>
           <p:nvPr/>
         </p:nvGrpSpPr>
@@ -7385,7 +7555,7 @@
         </p:grpSpPr>
         <p:sp>
           <p:nvSpPr>
-            <p:cNvPr id="66" name="Google Shape;66;p14"/>
+            <p:cNvPr id="67" name="Google Shape;67;p14"/>
             <p:cNvSpPr/>
             <p:nvPr/>
           </p:nvSpPr>
@@ -7447,7 +7617,7 @@
         </p:sp>
         <p:sp>
           <p:nvSpPr>
-            <p:cNvPr id="67" name="Google Shape;67;p14"/>
+            <p:cNvPr id="68" name="Google Shape;68;p14"/>
             <p:cNvSpPr txBox="1"/>
             <p:nvPr/>
           </p:nvSpPr>
@@ -7613,7 +7783,7 @@
       </p:grpSp>
       <p:grpSp>
         <p:nvGrpSpPr>
-          <p:cNvPr id="68" name="Google Shape;68;p14"/>
+          <p:cNvPr id="69" name="Google Shape;69;p14"/>
           <p:cNvGrpSpPr/>
           <p:nvPr/>
         </p:nvGrpSpPr>
@@ -7627,7 +7797,7 @@
         </p:grpSpPr>
         <p:sp>
           <p:nvSpPr>
-            <p:cNvPr id="69" name="Google Shape;69;p14"/>
+            <p:cNvPr id="70" name="Google Shape;70;p14"/>
             <p:cNvSpPr/>
             <p:nvPr/>
           </p:nvSpPr>
@@ -7689,7 +7859,7 @@
         </p:sp>
         <p:sp>
           <p:nvSpPr>
-            <p:cNvPr id="70" name="Google Shape;70;p14"/>
+            <p:cNvPr id="71" name="Google Shape;71;p14"/>
             <p:cNvSpPr txBox="1"/>
             <p:nvPr/>
           </p:nvSpPr>
@@ -7909,7 +8079,7 @@
       </p:grpSp>
       <p:grpSp>
         <p:nvGrpSpPr>
-          <p:cNvPr id="71" name="Google Shape;71;p14"/>
+          <p:cNvPr id="72" name="Google Shape;72;p14"/>
           <p:cNvGrpSpPr/>
           <p:nvPr/>
         </p:nvGrpSpPr>
@@ -7923,7 +8093,7 @@
         </p:grpSpPr>
         <p:sp>
           <p:nvSpPr>
-            <p:cNvPr id="72" name="Google Shape;72;p14"/>
+            <p:cNvPr id="73" name="Google Shape;73;p14"/>
             <p:cNvSpPr/>
             <p:nvPr/>
           </p:nvSpPr>
@@ -7985,7 +8155,7 @@
         </p:sp>
         <p:sp>
           <p:nvSpPr>
-            <p:cNvPr id="73" name="Google Shape;73;p14"/>
+            <p:cNvPr id="74" name="Google Shape;74;p14"/>
             <p:cNvSpPr txBox="1"/>
             <p:nvPr/>
           </p:nvSpPr>
@@ -8197,7 +8367,7 @@
       </p:grpSp>
       <p:sp>
         <p:nvSpPr>
-          <p:cNvPr id="74" name="Google Shape;74;p14"/>
+          <p:cNvPr id="75" name="Google Shape;75;p14"/>
           <p:cNvSpPr txBox="1"/>
           <p:nvPr/>
         </p:nvSpPr>
@@ -8249,7 +8419,7 @@
       </p:sp>
       <p:pic>
         <p:nvPicPr>
-          <p:cNvPr id="75" name="Google Shape;75;p14"/>
+          <p:cNvPr id="76" name="Google Shape;76;p14"/>
           <p:cNvPicPr preferRelativeResize="0"/>
           <p:nvPr/>
         </p:nvPicPr>
@@ -8277,7 +8447,7 @@
       </p:pic>
       <p:cxnSp>
         <p:nvCxnSpPr>
-          <p:cNvPr id="76" name="Google Shape;76;p14"/>
+          <p:cNvPr id="77" name="Google Shape;77;p14"/>
           <p:cNvCxnSpPr/>
           <p:nvPr/>
         </p:nvCxnSpPr>
@@ -8303,7 +8473,7 @@
       </p:cxnSp>
       <p:sp>
         <p:nvSpPr>
-          <p:cNvPr id="77" name="Google Shape;77;p14"/>
+          <p:cNvPr id="78" name="Google Shape;78;p14"/>
           <p:cNvSpPr txBox="1"/>
           <p:nvPr/>
         </p:nvSpPr>
@@ -8555,7 +8725,7 @@
   <p:cSld>
     <p:spTree>
       <p:nvGrpSpPr>
-        <p:cNvPr id="81" name="Shape 81"/>
+        <p:cNvPr id="82" name="Shape 82"/>
         <p:cNvGrpSpPr/>
         <p:nvPr/>
       </p:nvGrpSpPr>
@@ -8569,7 +8739,7 @@
       </p:grpSpPr>
       <p:sp>
         <p:nvSpPr>
-          <p:cNvPr id="82" name="Google Shape;82;p15"/>
+          <p:cNvPr id="83" name="Google Shape;83;p15"/>
           <p:cNvSpPr txBox="1"/>
           <p:nvPr/>
         </p:nvSpPr>
@@ -8878,7 +9048,7 @@
       </p:sp>
       <p:pic>
         <p:nvPicPr>
-          <p:cNvPr id="83" name="Google Shape;83;p15"/>
+          <p:cNvPr id="84" name="Google Shape;84;p15"/>
           <p:cNvPicPr preferRelativeResize="0"/>
           <p:nvPr/>
         </p:nvPicPr>
@@ -8906,7 +9076,7 @@
       </p:pic>
       <p:sp>
         <p:nvSpPr>
-          <p:cNvPr id="84" name="Google Shape;84;p15"/>
+          <p:cNvPr id="85" name="Google Shape;85;p15"/>
           <p:cNvSpPr txBox="1"/>
           <p:nvPr/>
         </p:nvSpPr>
@@ -8971,7 +9141,7 @@
       </p:sp>
       <p:pic>
         <p:nvPicPr>
-          <p:cNvPr id="85" name="Google Shape;85;p15"/>
+          <p:cNvPr id="86" name="Google Shape;86;p15"/>
           <p:cNvPicPr preferRelativeResize="0"/>
           <p:nvPr/>
         </p:nvPicPr>
@@ -8999,7 +9169,7 @@
       </p:pic>
       <p:cxnSp>
         <p:nvCxnSpPr>
-          <p:cNvPr id="86" name="Google Shape;86;p15"/>
+          <p:cNvPr id="87" name="Google Shape;87;p15"/>
           <p:cNvCxnSpPr/>
           <p:nvPr/>
         </p:nvCxnSpPr>
@@ -9025,7 +9195,7 @@
       </p:cxnSp>
       <p:sp>
         <p:nvSpPr>
-          <p:cNvPr id="87" name="Google Shape;87;p15"/>
+          <p:cNvPr id="88" name="Google Shape;88;p15"/>
           <p:cNvSpPr txBox="1"/>
           <p:nvPr/>
         </p:nvSpPr>
@@ -9236,7 +9406,7 @@
       </p:sp>
       <p:sp>
         <p:nvSpPr>
-          <p:cNvPr id="88" name="Google Shape;88;p15"/>
+          <p:cNvPr id="89" name="Google Shape;89;p15"/>
           <p:cNvSpPr txBox="1"/>
           <p:nvPr/>
         </p:nvSpPr>
@@ -9299,7 +9469,7 @@
   <p:cSld>
     <p:spTree>
       <p:nvGrpSpPr>
-        <p:cNvPr id="92" name="Shape 92"/>
+        <p:cNvPr id="93" name="Shape 93"/>
         <p:cNvGrpSpPr/>
         <p:nvPr/>
       </p:nvGrpSpPr>
@@ -9313,7 +9483,7 @@
       </p:grpSpPr>
       <p:sp>
         <p:nvSpPr>
-          <p:cNvPr id="93" name="Google Shape;93;p16"/>
+          <p:cNvPr id="94" name="Google Shape;94;p16"/>
           <p:cNvSpPr txBox="1"/>
           <p:nvPr/>
         </p:nvSpPr>
@@ -9493,7 +9663,7 @@
       </p:sp>
       <p:graphicFrame>
         <p:nvGraphicFramePr>
-          <p:cNvPr id="94" name="Google Shape;94;p16"/>
+          <p:cNvPr id="95" name="Google Shape;95;p16"/>
           <p:cNvGraphicFramePr/>
           <p:nvPr/>
         </p:nvGraphicFramePr>
@@ -9506,7 +9676,7 @@
             <a:tbl>
               <a:tblPr>
                 <a:noFill/>
-                <a:tableStyleId>{C533FF35-2AA8-45A5-B388-2C9D8E0EC01B}</a:tableStyleId>
+                <a:tableStyleId>{56D47B50-E1FD-4431-977C-430FFA911D19}</a:tableStyleId>
               </a:tblPr>
               <a:tblGrid>
                 <a:gridCol w="5731200"/>
@@ -9552,7 +9722,7 @@
       </p:graphicFrame>
       <p:graphicFrame>
         <p:nvGraphicFramePr>
-          <p:cNvPr id="95" name="Google Shape;95;p16"/>
+          <p:cNvPr id="96" name="Google Shape;96;p16"/>
           <p:cNvGraphicFramePr/>
           <p:nvPr/>
         </p:nvGraphicFramePr>
@@ -9565,7 +9735,7 @@
             <a:tbl>
               <a:tblPr>
                 <a:noFill/>
-                <a:tableStyleId>{C533FF35-2AA8-45A5-B388-2C9D8E0EC01B}</a:tableStyleId>
+                <a:tableStyleId>{56D47B50-E1FD-4431-977C-430FFA911D19}</a:tableStyleId>
               </a:tblPr>
               <a:tblGrid>
                 <a:gridCol w="5731200"/>
@@ -9640,7 +9810,7 @@
       </p:graphicFrame>
       <p:sp>
         <p:nvSpPr>
-          <p:cNvPr id="96" name="Google Shape;96;p16"/>
+          <p:cNvPr id="97" name="Google Shape;97;p16"/>
           <p:cNvSpPr txBox="1"/>
           <p:nvPr/>
         </p:nvSpPr>
@@ -9686,7 +9856,7 @@
       </p:sp>
       <p:pic>
         <p:nvPicPr>
-          <p:cNvPr id="97" name="Google Shape;97;p16"/>
+          <p:cNvPr id="98" name="Google Shape;98;p16"/>
           <p:cNvPicPr preferRelativeResize="0"/>
           <p:nvPr/>
         </p:nvPicPr>
@@ -9714,7 +9884,7 @@
       </p:pic>
       <p:cxnSp>
         <p:nvCxnSpPr>
-          <p:cNvPr id="98" name="Google Shape;98;p16"/>
+          <p:cNvPr id="99" name="Google Shape;99;p16"/>
           <p:cNvCxnSpPr/>
           <p:nvPr/>
         </p:nvCxnSpPr>
@@ -9740,7 +9910,7 @@
       </p:cxnSp>
       <p:sp>
         <p:nvSpPr>
-          <p:cNvPr id="99" name="Google Shape;99;p16"/>
+          <p:cNvPr id="100" name="Google Shape;100;p16"/>
           <p:cNvSpPr txBox="1"/>
           <p:nvPr/>
         </p:nvSpPr>
@@ -9951,7 +10121,7 @@
       </p:sp>
       <p:sp>
         <p:nvSpPr>
-          <p:cNvPr id="100" name="Google Shape;100;p16"/>
+          <p:cNvPr id="101" name="Google Shape;101;p16"/>
           <p:cNvSpPr txBox="1"/>
           <p:nvPr/>
         </p:nvSpPr>
@@ -10062,7 +10232,7 @@
       </p:sp>
       <p:sp>
         <p:nvSpPr>
-          <p:cNvPr id="101" name="Google Shape;101;p16"/>
+          <p:cNvPr id="102" name="Google Shape;102;p16"/>
           <p:cNvSpPr txBox="1"/>
           <p:nvPr/>
         </p:nvSpPr>
@@ -10165,7 +10335,7 @@
   <p:cSld>
     <p:spTree>
       <p:nvGrpSpPr>
-        <p:cNvPr id="105" name="Shape 105"/>
+        <p:cNvPr id="106" name="Shape 106"/>
         <p:cNvGrpSpPr/>
         <p:nvPr/>
       </p:nvGrpSpPr>
@@ -10179,7 +10349,7 @@
       </p:grpSpPr>
       <p:sp>
         <p:nvSpPr>
-          <p:cNvPr id="106" name="Google Shape;106;p17"/>
+          <p:cNvPr id="107" name="Google Shape;107;p17"/>
           <p:cNvSpPr txBox="1"/>
           <p:nvPr/>
         </p:nvSpPr>
@@ -10277,7 +10447,7 @@
       </p:sp>
       <p:pic>
         <p:nvPicPr>
-          <p:cNvPr id="107" name="Google Shape;107;p17"/>
+          <p:cNvPr id="108" name="Google Shape;108;p17"/>
           <p:cNvPicPr preferRelativeResize="0"/>
           <p:nvPr/>
         </p:nvPicPr>
@@ -10305,7 +10475,7 @@
       </p:pic>
       <p:pic>
         <p:nvPicPr>
-          <p:cNvPr id="108" name="Google Shape;108;p17"/>
+          <p:cNvPr id="109" name="Google Shape;109;p17"/>
           <p:cNvPicPr preferRelativeResize="0"/>
           <p:nvPr/>
         </p:nvPicPr>
@@ -10333,7 +10503,7 @@
       </p:pic>
       <p:cxnSp>
         <p:nvCxnSpPr>
-          <p:cNvPr id="109" name="Google Shape;109;p17"/>
+          <p:cNvPr id="110" name="Google Shape;110;p17"/>
           <p:cNvCxnSpPr/>
           <p:nvPr/>
         </p:nvCxnSpPr>
@@ -10359,7 +10529,7 @@
       </p:cxnSp>
       <p:sp>
         <p:nvSpPr>
-          <p:cNvPr id="110" name="Google Shape;110;p17"/>
+          <p:cNvPr id="111" name="Google Shape;111;p17"/>
           <p:cNvSpPr txBox="1"/>
           <p:nvPr/>
         </p:nvSpPr>
@@ -10570,7 +10740,7 @@
       </p:sp>
       <p:sp>
         <p:nvSpPr>
-          <p:cNvPr id="111" name="Google Shape;111;p17"/>
+          <p:cNvPr id="112" name="Google Shape;112;p17"/>
           <p:cNvSpPr txBox="1"/>
           <p:nvPr/>
         </p:nvSpPr>
@@ -10662,7 +10832,7 @@
       </p:sp>
       <p:sp>
         <p:nvSpPr>
-          <p:cNvPr id="112" name="Google Shape;112;p17"/>
+          <p:cNvPr id="113" name="Google Shape;113;p17"/>
           <p:cNvSpPr txBox="1"/>
           <p:nvPr/>
         </p:nvSpPr>
@@ -10782,7 +10952,7 @@
       </p:sp>
       <p:pic>
         <p:nvPicPr>
-          <p:cNvPr id="113" name="Google Shape;113;p17"/>
+          <p:cNvPr id="114" name="Google Shape;114;p17"/>
           <p:cNvPicPr preferRelativeResize="0"/>
           <p:nvPr/>
         </p:nvPicPr>
@@ -10821,7 +10991,7 @@
   <p:cSld>
     <p:spTree>
       <p:nvGrpSpPr>
-        <p:cNvPr id="117" name="Shape 117"/>
+        <p:cNvPr id="118" name="Shape 118"/>
         <p:cNvGrpSpPr/>
         <p:nvPr/>
       </p:nvGrpSpPr>
@@ -10835,7 +11005,7 @@
       </p:grpSpPr>
       <p:sp>
         <p:nvSpPr>
-          <p:cNvPr id="118" name="Google Shape;118;p18"/>
+          <p:cNvPr id="119" name="Google Shape;119;p18"/>
           <p:cNvSpPr txBox="1"/>
           <p:nvPr/>
         </p:nvSpPr>
@@ -10955,7 +11125,7 @@
       </p:sp>
       <p:pic>
         <p:nvPicPr>
-          <p:cNvPr id="119" name="Google Shape;119;p18"/>
+          <p:cNvPr id="120" name="Google Shape;120;p18"/>
           <p:cNvPicPr preferRelativeResize="0"/>
           <p:nvPr/>
         </p:nvPicPr>
@@ -10983,7 +11153,7 @@
       </p:pic>
       <p:cxnSp>
         <p:nvCxnSpPr>
-          <p:cNvPr id="120" name="Google Shape;120;p18"/>
+          <p:cNvPr id="121" name="Google Shape;121;p18"/>
           <p:cNvCxnSpPr/>
           <p:nvPr/>
         </p:nvCxnSpPr>
@@ -11009,7 +11179,7 @@
       </p:cxnSp>
       <p:sp>
         <p:nvSpPr>
-          <p:cNvPr id="121" name="Google Shape;121;p18"/>
+          <p:cNvPr id="122" name="Google Shape;122;p18"/>
           <p:cNvSpPr txBox="1"/>
           <p:nvPr/>
         </p:nvSpPr>
@@ -11220,7 +11390,7 @@
       </p:sp>
       <p:sp>
         <p:nvSpPr>
-          <p:cNvPr id="122" name="Google Shape;122;p18"/>
+          <p:cNvPr id="123" name="Google Shape;123;p18"/>
           <p:cNvSpPr txBox="1"/>
           <p:nvPr/>
         </p:nvSpPr>
@@ -11312,7 +11482,7 @@
       </p:sp>
       <p:pic>
         <p:nvPicPr>
-          <p:cNvPr id="123" name="Google Shape;123;p18"/>
+          <p:cNvPr id="124" name="Google Shape;124;p18"/>
           <p:cNvPicPr preferRelativeResize="0"/>
           <p:nvPr/>
         </p:nvPicPr>
@@ -11351,7 +11521,7 @@
   <p:cSld>
     <p:spTree>
       <p:nvGrpSpPr>
-        <p:cNvPr id="127" name="Shape 127"/>
+        <p:cNvPr id="128" name="Shape 128"/>
         <p:cNvGrpSpPr/>
         <p:nvPr/>
       </p:nvGrpSpPr>
@@ -11365,7 +11535,7 @@
       </p:grpSpPr>
       <p:sp>
         <p:nvSpPr>
-          <p:cNvPr id="128" name="Google Shape;128;p19"/>
+          <p:cNvPr id="129" name="Google Shape;129;p19"/>
           <p:cNvSpPr txBox="1"/>
           <p:nvPr/>
         </p:nvSpPr>
@@ -11479,7 +11649,7 @@
       </p:sp>
       <p:pic>
         <p:nvPicPr>
-          <p:cNvPr id="129" name="Google Shape;129;p19"/>
+          <p:cNvPr id="130" name="Google Shape;130;p19"/>
           <p:cNvPicPr preferRelativeResize="0"/>
           <p:nvPr/>
         </p:nvPicPr>
@@ -11507,7 +11677,7 @@
       </p:pic>
       <p:pic>
         <p:nvPicPr>
-          <p:cNvPr id="130" name="Google Shape;130;p19"/>
+          <p:cNvPr id="131" name="Google Shape;131;p19"/>
           <p:cNvPicPr preferRelativeResize="0"/>
           <p:nvPr/>
         </p:nvPicPr>
@@ -11535,7 +11705,7 @@
       </p:pic>
       <p:cxnSp>
         <p:nvCxnSpPr>
-          <p:cNvPr id="131" name="Google Shape;131;p19"/>
+          <p:cNvPr id="132" name="Google Shape;132;p19"/>
           <p:cNvCxnSpPr/>
           <p:nvPr/>
         </p:nvCxnSpPr>
@@ -11561,7 +11731,7 @@
       </p:cxnSp>
       <p:sp>
         <p:nvSpPr>
-          <p:cNvPr id="132" name="Google Shape;132;p19"/>
+          <p:cNvPr id="133" name="Google Shape;133;p19"/>
           <p:cNvSpPr txBox="1"/>
           <p:nvPr/>
         </p:nvSpPr>
@@ -11772,7 +11942,7 @@
       </p:sp>
       <p:sp>
         <p:nvSpPr>
-          <p:cNvPr id="133" name="Google Shape;133;p19"/>
+          <p:cNvPr id="134" name="Google Shape;134;p19"/>
           <p:cNvSpPr txBox="1"/>
           <p:nvPr/>
         </p:nvSpPr>
@@ -11875,7 +12045,7 @@
   <p:cSld>
     <p:spTree>
       <p:nvGrpSpPr>
-        <p:cNvPr id="137" name="Shape 137"/>
+        <p:cNvPr id="138" name="Shape 138"/>
         <p:cNvGrpSpPr/>
         <p:nvPr/>
       </p:nvGrpSpPr>
@@ -11889,7 +12059,7 @@
       </p:grpSpPr>
       <p:sp>
         <p:nvSpPr>
-          <p:cNvPr id="138" name="Google Shape;138;p20"/>
+          <p:cNvPr id="139" name="Google Shape;139;p20"/>
           <p:cNvSpPr txBox="1"/>
           <p:nvPr/>
         </p:nvSpPr>
@@ -11941,7 +12111,7 @@
       </p:sp>
       <p:grpSp>
         <p:nvGrpSpPr>
-          <p:cNvPr id="139" name="Google Shape;139;p20"/>
+          <p:cNvPr id="140" name="Google Shape;140;p20"/>
           <p:cNvGrpSpPr/>
           <p:nvPr/>
         </p:nvGrpSpPr>
@@ -11955,7 +12125,7 @@
         </p:grpSpPr>
         <p:sp>
           <p:nvSpPr>
-            <p:cNvPr id="140" name="Google Shape;140;p20"/>
+            <p:cNvPr id="141" name="Google Shape;141;p20"/>
             <p:cNvSpPr txBox="1"/>
             <p:nvPr/>
           </p:nvSpPr>
@@ -12035,7 +12205,7 @@
         </p:sp>
         <p:cxnSp>
           <p:nvCxnSpPr>
-            <p:cNvPr id="141" name="Google Shape;141;p20"/>
+            <p:cNvPr id="142" name="Google Shape;142;p20"/>
             <p:cNvCxnSpPr/>
             <p:nvPr/>
           </p:nvCxnSpPr>
@@ -12061,7 +12231,7 @@
         </p:cxnSp>
         <p:sp>
           <p:nvSpPr>
-            <p:cNvPr id="142" name="Google Shape;142;p20"/>
+            <p:cNvPr id="143" name="Google Shape;143;p20"/>
             <p:cNvSpPr/>
             <p:nvPr/>
           </p:nvSpPr>
@@ -12104,7 +12274,7 @@
         </p:sp>
         <p:sp>
           <p:nvSpPr>
-            <p:cNvPr id="143" name="Google Shape;143;p20"/>
+            <p:cNvPr id="144" name="Google Shape;144;p20"/>
             <p:cNvSpPr txBox="1"/>
             <p:nvPr/>
           </p:nvSpPr>
@@ -12159,7 +12329,7 @@
       </p:grpSp>
       <p:grpSp>
         <p:nvGrpSpPr>
-          <p:cNvPr id="144" name="Google Shape;144;p20"/>
+          <p:cNvPr id="145" name="Google Shape;145;p20"/>
           <p:cNvGrpSpPr/>
           <p:nvPr/>
         </p:nvGrpSpPr>
@@ -12173,7 +12343,7 @@
         </p:grpSpPr>
         <p:sp>
           <p:nvSpPr>
-            <p:cNvPr id="145" name="Google Shape;145;p20"/>
+            <p:cNvPr id="146" name="Google Shape;146;p20"/>
             <p:cNvSpPr txBox="1"/>
             <p:nvPr/>
           </p:nvSpPr>
@@ -12273,7 +12443,7 @@
         </p:sp>
         <p:cxnSp>
           <p:nvCxnSpPr>
-            <p:cNvPr id="146" name="Google Shape;146;p20"/>
+            <p:cNvPr id="147" name="Google Shape;147;p20"/>
             <p:cNvCxnSpPr/>
             <p:nvPr/>
           </p:nvCxnSpPr>
@@ -12299,7 +12469,7 @@
         </p:cxnSp>
         <p:sp>
           <p:nvSpPr>
-            <p:cNvPr id="147" name="Google Shape;147;p20"/>
+            <p:cNvPr id="148" name="Google Shape;148;p20"/>
             <p:cNvSpPr/>
             <p:nvPr/>
           </p:nvSpPr>
@@ -12342,7 +12512,7 @@
         </p:sp>
         <p:sp>
           <p:nvSpPr>
-            <p:cNvPr id="148" name="Google Shape;148;p20"/>
+            <p:cNvPr id="149" name="Google Shape;149;p20"/>
             <p:cNvSpPr txBox="1"/>
             <p:nvPr/>
           </p:nvSpPr>
@@ -12397,7 +12567,7 @@
       </p:grpSp>
       <p:grpSp>
         <p:nvGrpSpPr>
-          <p:cNvPr id="149" name="Google Shape;149;p20"/>
+          <p:cNvPr id="150" name="Google Shape;150;p20"/>
           <p:cNvGrpSpPr/>
           <p:nvPr/>
         </p:nvGrpSpPr>
@@ -12411,7 +12581,7 @@
         </p:grpSpPr>
         <p:sp>
           <p:nvSpPr>
-            <p:cNvPr id="150" name="Google Shape;150;p20"/>
+            <p:cNvPr id="151" name="Google Shape;151;p20"/>
             <p:cNvSpPr txBox="1"/>
             <p:nvPr/>
           </p:nvSpPr>
@@ -12539,7 +12709,7 @@
         </p:sp>
         <p:cxnSp>
           <p:nvCxnSpPr>
-            <p:cNvPr id="151" name="Google Shape;151;p20"/>
+            <p:cNvPr id="152" name="Google Shape;152;p20"/>
             <p:cNvCxnSpPr/>
             <p:nvPr/>
           </p:nvCxnSpPr>
@@ -12565,7 +12735,7 @@
         </p:cxnSp>
         <p:sp>
           <p:nvSpPr>
-            <p:cNvPr id="152" name="Google Shape;152;p20"/>
+            <p:cNvPr id="153" name="Google Shape;153;p20"/>
             <p:cNvSpPr/>
             <p:nvPr/>
           </p:nvSpPr>
@@ -12608,7 +12778,7 @@
         </p:sp>
         <p:sp>
           <p:nvSpPr>
-            <p:cNvPr id="153" name="Google Shape;153;p20"/>
+            <p:cNvPr id="154" name="Google Shape;154;p20"/>
             <p:cNvSpPr txBox="1"/>
             <p:nvPr/>
           </p:nvSpPr>
@@ -12663,7 +12833,7 @@
       </p:grpSp>
       <p:grpSp>
         <p:nvGrpSpPr>
-          <p:cNvPr id="154" name="Google Shape;154;p20"/>
+          <p:cNvPr id="155" name="Google Shape;155;p20"/>
           <p:cNvGrpSpPr/>
           <p:nvPr/>
         </p:nvGrpSpPr>
@@ -12677,7 +12847,7 @@
         </p:grpSpPr>
         <p:sp>
           <p:nvSpPr>
-            <p:cNvPr id="155" name="Google Shape;155;p20"/>
+            <p:cNvPr id="156" name="Google Shape;156;p20"/>
             <p:cNvSpPr/>
             <p:nvPr/>
           </p:nvSpPr>
@@ -12716,7 +12886,7 @@
         </p:sp>
         <p:sp>
           <p:nvSpPr>
-            <p:cNvPr id="156" name="Google Shape;156;p20"/>
+            <p:cNvPr id="157" name="Google Shape;157;p20"/>
             <p:cNvSpPr/>
             <p:nvPr/>
           </p:nvSpPr>
@@ -12755,7 +12925,7 @@
         </p:sp>
         <p:sp>
           <p:nvSpPr>
-            <p:cNvPr id="157" name="Google Shape;157;p20"/>
+            <p:cNvPr id="158" name="Google Shape;158;p20"/>
             <p:cNvSpPr/>
             <p:nvPr/>
           </p:nvSpPr>
@@ -12794,7 +12964,7 @@
         </p:sp>
         <p:sp>
           <p:nvSpPr>
-            <p:cNvPr id="158" name="Google Shape;158;p20"/>
+            <p:cNvPr id="159" name="Google Shape;159;p20"/>
             <p:cNvSpPr/>
             <p:nvPr/>
           </p:nvSpPr>
@@ -12833,7 +13003,7 @@
         </p:sp>
         <p:sp>
           <p:nvSpPr>
-            <p:cNvPr id="159" name="Google Shape;159;p20"/>
+            <p:cNvPr id="160" name="Google Shape;160;p20"/>
             <p:cNvSpPr/>
             <p:nvPr/>
           </p:nvSpPr>
@@ -12872,7 +13042,7 @@
         </p:sp>
         <p:sp>
           <p:nvSpPr>
-            <p:cNvPr id="160" name="Google Shape;160;p20"/>
+            <p:cNvPr id="161" name="Google Shape;161;p20"/>
             <p:cNvSpPr/>
             <p:nvPr/>
           </p:nvSpPr>
@@ -12919,7 +13089,7 @@
         </p:sp>
         <p:sp>
           <p:nvSpPr>
-            <p:cNvPr id="161" name="Google Shape;161;p20"/>
+            <p:cNvPr id="162" name="Google Shape;162;p20"/>
             <p:cNvSpPr/>
             <p:nvPr/>
           </p:nvSpPr>
@@ -12958,7 +13128,7 @@
         </p:sp>
         <p:sp>
           <p:nvSpPr>
-            <p:cNvPr id="162" name="Google Shape;162;p20"/>
+            <p:cNvPr id="163" name="Google Shape;163;p20"/>
             <p:cNvSpPr/>
             <p:nvPr/>
           </p:nvSpPr>
@@ -12997,7 +13167,7 @@
         </p:sp>
         <p:sp>
           <p:nvSpPr>
-            <p:cNvPr id="163" name="Google Shape;163;p20"/>
+            <p:cNvPr id="164" name="Google Shape;164;p20"/>
             <p:cNvSpPr/>
             <p:nvPr/>
           </p:nvSpPr>
@@ -13036,7 +13206,7 @@
         </p:sp>
         <p:sp>
           <p:nvSpPr>
-            <p:cNvPr id="164" name="Google Shape;164;p20"/>
+            <p:cNvPr id="165" name="Google Shape;165;p20"/>
             <p:cNvSpPr/>
             <p:nvPr/>
           </p:nvSpPr>
@@ -13072,7 +13242,7 @@
         </p:sp>
         <p:sp>
           <p:nvSpPr>
-            <p:cNvPr id="165" name="Google Shape;165;p20"/>
+            <p:cNvPr id="166" name="Google Shape;166;p20"/>
             <p:cNvSpPr/>
             <p:nvPr/>
           </p:nvSpPr>
@@ -13108,7 +13278,7 @@
         </p:sp>
         <p:sp>
           <p:nvSpPr>
-            <p:cNvPr id="166" name="Google Shape;166;p20"/>
+            <p:cNvPr id="167" name="Google Shape;167;p20"/>
             <p:cNvSpPr/>
             <p:nvPr/>
           </p:nvSpPr>
@@ -13147,7 +13317,7 @@
         </p:sp>
         <p:sp>
           <p:nvSpPr>
-            <p:cNvPr id="167" name="Google Shape;167;p20"/>
+            <p:cNvPr id="168" name="Google Shape;168;p20"/>
             <p:cNvSpPr/>
             <p:nvPr/>
           </p:nvSpPr>
@@ -13186,7 +13356,7 @@
         </p:sp>
         <p:sp>
           <p:nvSpPr>
-            <p:cNvPr id="168" name="Google Shape;168;p20"/>
+            <p:cNvPr id="169" name="Google Shape;169;p20"/>
             <p:cNvSpPr/>
             <p:nvPr/>
           </p:nvSpPr>
@@ -13226,7 +13396,7 @@
       </p:grpSp>
       <p:grpSp>
         <p:nvGrpSpPr>
-          <p:cNvPr id="169" name="Google Shape;169;p20"/>
+          <p:cNvPr id="170" name="Google Shape;170;p20"/>
           <p:cNvGrpSpPr/>
           <p:nvPr/>
         </p:nvGrpSpPr>
@@ -13240,7 +13410,7 @@
         </p:grpSpPr>
         <p:sp>
           <p:nvSpPr>
-            <p:cNvPr id="170" name="Google Shape;170;p20"/>
+            <p:cNvPr id="171" name="Google Shape;171;p20"/>
             <p:cNvSpPr txBox="1"/>
             <p:nvPr/>
           </p:nvSpPr>
@@ -13338,7 +13508,7 @@
         </p:sp>
         <p:cxnSp>
           <p:nvCxnSpPr>
-            <p:cNvPr id="171" name="Google Shape;171;p20"/>
+            <p:cNvPr id="172" name="Google Shape;172;p20"/>
             <p:cNvCxnSpPr/>
             <p:nvPr/>
           </p:nvCxnSpPr>
@@ -13364,7 +13534,7 @@
         </p:cxnSp>
         <p:sp>
           <p:nvSpPr>
-            <p:cNvPr id="172" name="Google Shape;172;p20"/>
+            <p:cNvPr id="173" name="Google Shape;173;p20"/>
             <p:cNvSpPr/>
             <p:nvPr/>
           </p:nvSpPr>
@@ -13407,7 +13577,7 @@
         </p:sp>
         <p:sp>
           <p:nvSpPr>
-            <p:cNvPr id="173" name="Google Shape;173;p20"/>
+            <p:cNvPr id="174" name="Google Shape;174;p20"/>
             <p:cNvSpPr txBox="1"/>
             <p:nvPr/>
           </p:nvSpPr>
@@ -13462,7 +13632,7 @@
       </p:grpSp>
       <p:pic>
         <p:nvPicPr>
-          <p:cNvPr id="174" name="Google Shape;174;p20"/>
+          <p:cNvPr id="175" name="Google Shape;175;p20"/>
           <p:cNvPicPr preferRelativeResize="0"/>
           <p:nvPr/>
         </p:nvPicPr>
@@ -13490,7 +13660,7 @@
       </p:pic>
       <p:cxnSp>
         <p:nvCxnSpPr>
-          <p:cNvPr id="175" name="Google Shape;175;p20"/>
+          <p:cNvPr id="176" name="Google Shape;176;p20"/>
           <p:cNvCxnSpPr/>
           <p:nvPr/>
         </p:nvCxnSpPr>
@@ -13516,7 +13686,7 @@
       </p:cxnSp>
       <p:sp>
         <p:nvSpPr>
-          <p:cNvPr id="176" name="Google Shape;176;p20"/>
+          <p:cNvPr id="177" name="Google Shape;177;p20"/>
           <p:cNvSpPr txBox="1"/>
           <p:nvPr/>
         </p:nvSpPr>
@@ -13727,7 +13897,7 @@
       </p:sp>
       <p:sp>
         <p:nvSpPr>
-          <p:cNvPr id="177" name="Google Shape;177;p20"/>
+          <p:cNvPr id="178" name="Google Shape;178;p20"/>
           <p:cNvSpPr txBox="1"/>
           <p:nvPr/>
         </p:nvSpPr>
@@ -13810,7 +13980,7 @@
   <p:cSld>
     <p:spTree>
       <p:nvGrpSpPr>
-        <p:cNvPr id="181" name="Shape 181"/>
+        <p:cNvPr id="182" name="Shape 182"/>
         <p:cNvGrpSpPr/>
         <p:nvPr/>
       </p:nvGrpSpPr>
@@ -13824,7 +13994,7 @@
       </p:grpSpPr>
       <p:sp>
         <p:nvSpPr>
-          <p:cNvPr id="182" name="Google Shape;182;p21"/>
+          <p:cNvPr id="183" name="Google Shape;183;p21"/>
           <p:cNvSpPr txBox="1"/>
           <p:nvPr/>
         </p:nvSpPr>
@@ -13885,7 +14055,7 @@
       </p:sp>
       <p:pic>
         <p:nvPicPr>
-          <p:cNvPr id="183" name="Google Shape;183;p21"/>
+          <p:cNvPr id="184" name="Google Shape;184;p21"/>
           <p:cNvPicPr preferRelativeResize="0"/>
           <p:nvPr/>
         </p:nvPicPr>
@@ -13913,7 +14083,7 @@
       </p:pic>
       <p:cxnSp>
         <p:nvCxnSpPr>
-          <p:cNvPr id="184" name="Google Shape;184;p21"/>
+          <p:cNvPr id="185" name="Google Shape;185;p21"/>
           <p:cNvCxnSpPr/>
           <p:nvPr/>
         </p:nvCxnSpPr>
@@ -13939,7 +14109,7 @@
       </p:cxnSp>
       <p:sp>
         <p:nvSpPr>
-          <p:cNvPr id="185" name="Google Shape;185;p21"/>
+          <p:cNvPr id="186" name="Google Shape;186;p21"/>
           <p:cNvSpPr txBox="1"/>
           <p:nvPr/>
         </p:nvSpPr>
@@ -14157,6 +14327,285 @@
 </file>
 
 <file path=ppt/theme/theme1.xml><?xml version="1.0" encoding="utf-8"?>
+<a:theme xmlns:a="http://schemas.openxmlformats.org/drawingml/2006/main" xmlns:r="http://schemas.openxmlformats.org/officeDocument/2006/relationships">
+  <a:themeElements>
+    <a:clrScheme name="Default">
+      <a:dk1>
+        <a:srgbClr val="000000"/>
+      </a:dk1>
+      <a:lt1>
+        <a:srgbClr val="FFFFFF"/>
+      </a:lt1>
+      <a:dk2>
+        <a:srgbClr val="158158"/>
+      </a:dk2>
+      <a:lt2>
+        <a:srgbClr val="F3F3F3"/>
+      </a:lt2>
+      <a:accent1>
+        <a:srgbClr val="058DC7"/>
+      </a:accent1>
+      <a:accent2>
+        <a:srgbClr val="50B432"/>
+      </a:accent2>
+      <a:accent3>
+        <a:srgbClr val="ED561B"/>
+      </a:accent3>
+      <a:accent4>
+        <a:srgbClr val="EDEF00"/>
+      </a:accent4>
+      <a:accent5>
+        <a:srgbClr val="24CBE5"/>
+      </a:accent5>
+      <a:accent6>
+        <a:srgbClr val="64E572"/>
+      </a:accent6>
+      <a:hlink>
+        <a:srgbClr val="2200CC"/>
+      </a:hlink>
+      <a:folHlink>
+        <a:srgbClr val="551A8B"/>
+      </a:folHlink>
+    </a:clrScheme>
+    <a:fontScheme name="Office">
+      <a:majorFont>
+        <a:latin typeface="Arial"/>
+        <a:ea typeface=""/>
+        <a:cs typeface=""/>
+        <a:font script="Jpan" typeface="ＭＳ Ｐゴシック"/>
+        <a:font script="Hang" typeface="맑은 고딕"/>
+        <a:font script="Hans" typeface="宋体"/>
+        <a:font script="Hant" typeface="新細明體"/>
+        <a:font script="Arab" typeface="Times New Roman"/>
+        <a:font script="Hebr" typeface="Times New Roman"/>
+        <a:font script="Thai" typeface="Angsana New"/>
+        <a:font script="Ethi" typeface="Nyala"/>
+        <a:font script="Beng" typeface="Vrinda"/>
+        <a:font script="Gujr" typeface="Shruti"/>
+        <a:font script="Khmr" typeface="MoolBoran"/>
+        <a:font script="Knda" typeface="Tunga"/>
+        <a:font script="Guru" typeface="Raavi"/>
+        <a:font script="Cans" typeface="Euphemia"/>
+        <a:font script="Cher" typeface="Plantagenet Cherokee"/>
+        <a:font script="Yiii" typeface="Microsoft Yi Baiti"/>
+        <a:font script="Tibt" typeface="Microsoft Himalaya"/>
+        <a:font script="Thaa" typeface="MV Boli"/>
+        <a:font script="Deva" typeface="Mangal"/>
+        <a:font script="Telu" typeface="Gautami"/>
+        <a:font script="Taml" typeface="Latha"/>
+        <a:font script="Syrc" typeface="Estrangelo Edessa"/>
+        <a:font script="Orya" typeface="Kalinga"/>
+        <a:font script="Mlym" typeface="Kartika"/>
+        <a:font script="Laoo" typeface="DokChampa"/>
+        <a:font script="Sinh" typeface="Iskoola Pota"/>
+        <a:font script="Mong" typeface="Mongolian Baiti"/>
+        <a:font script="Viet" typeface="Times New Roman"/>
+        <a:font script="Uigh" typeface="Microsoft Uighur"/>
+        <a:font script="Geor" typeface="Sylfaen"/>
+      </a:majorFont>
+      <a:minorFont>
+        <a:latin typeface="Arial"/>
+        <a:ea typeface=""/>
+        <a:cs typeface=""/>
+        <a:font script="Jpan" typeface="ＭＳ Ｐゴシック"/>
+        <a:font script="Hang" typeface="맑은 고딕"/>
+        <a:font script="Hans" typeface="宋体"/>
+        <a:font script="Hant" typeface="新細明體"/>
+        <a:font script="Arab" typeface="Arial"/>
+        <a:font script="Hebr" typeface="Arial"/>
+        <a:font script="Thai" typeface="Cordia New"/>
+        <a:font script="Ethi" typeface="Nyala"/>
+        <a:font script="Beng" typeface="Vrinda"/>
+        <a:font script="Gujr" typeface="Shruti"/>
+        <a:font script="Khmr" typeface="DaunPenh"/>
+        <a:font script="Knda" typeface="Tunga"/>
+        <a:font script="Guru" typeface="Raavi"/>
+        <a:font script="Cans" typeface="Euphemia"/>
+        <a:font script="Cher" typeface="Plantagenet Cherokee"/>
+        <a:font script="Yiii" typeface="Microsoft Yi Baiti"/>
+        <a:font script="Tibt" typeface="Microsoft Himalaya"/>
+        <a:font script="Thaa" typeface="MV Boli"/>
+        <a:font script="Deva" typeface="Mangal"/>
+        <a:font script="Telu" typeface="Gautami"/>
+        <a:font script="Taml" typeface="Latha"/>
+        <a:font script="Syrc" typeface="Estrangelo Edessa"/>
+        <a:font script="Orya" typeface="Kalinga"/>
+        <a:font script="Mlym" typeface="Kartika"/>
+        <a:font script="Laoo" typeface="DokChampa"/>
+        <a:font script="Sinh" typeface="Iskoola Pota"/>
+        <a:font script="Mong" typeface="Mongolian Baiti"/>
+        <a:font script="Viet" typeface="Arial"/>
+        <a:font script="Uigh" typeface="Microsoft Uighur"/>
+        <a:font script="Geor" typeface="Sylfaen"/>
+      </a:minorFont>
+    </a:fontScheme>
+    <a:fmtScheme name="Office">
+      <a:fillStyleLst>
+        <a:solidFill>
+          <a:schemeClr val="phClr"/>
+        </a:solidFill>
+        <a:gradFill rotWithShape="1">
+          <a:gsLst>
+            <a:gs pos="0">
+              <a:schemeClr val="phClr">
+                <a:tint val="50000"/>
+                <a:satMod val="300000"/>
+              </a:schemeClr>
+            </a:gs>
+            <a:gs pos="35000">
+              <a:schemeClr val="phClr">
+                <a:tint val="37000"/>
+                <a:satMod val="300000"/>
+              </a:schemeClr>
+            </a:gs>
+            <a:gs pos="100000">
+              <a:schemeClr val="phClr">
+                <a:tint val="15000"/>
+                <a:satMod val="350000"/>
+              </a:schemeClr>
+            </a:gs>
+          </a:gsLst>
+          <a:lin ang="16200000" scaled="1"/>
+        </a:gradFill>
+        <a:gradFill rotWithShape="1">
+          <a:gsLst>
+            <a:gs pos="0">
+              <a:schemeClr val="phClr">
+                <a:tint val="100000"/>
+                <a:shade val="100000"/>
+                <a:satMod val="130000"/>
+              </a:schemeClr>
+            </a:gs>
+            <a:gs pos="100000">
+              <a:schemeClr val="phClr">
+                <a:tint val="50000"/>
+                <a:shade val="100000"/>
+                <a:satMod val="350000"/>
+              </a:schemeClr>
+            </a:gs>
+          </a:gsLst>
+          <a:lin ang="16200000" scaled="0"/>
+        </a:gradFill>
+      </a:fillStyleLst>
+      <a:lnStyleLst>
+        <a:ln w="9525" cap="flat" cmpd="sng" algn="ctr">
+          <a:solidFill>
+            <a:schemeClr val="phClr">
+              <a:shade val="95000"/>
+              <a:satMod val="105000"/>
+            </a:schemeClr>
+          </a:solidFill>
+          <a:prstDash val="solid"/>
+        </a:ln>
+        <a:ln w="25400" cap="flat" cmpd="sng" algn="ctr">
+          <a:solidFill>
+            <a:schemeClr val="phClr"/>
+          </a:solidFill>
+          <a:prstDash val="solid"/>
+        </a:ln>
+        <a:ln w="38100" cap="flat" cmpd="sng" algn="ctr">
+          <a:solidFill>
+            <a:schemeClr val="phClr"/>
+          </a:solidFill>
+          <a:prstDash val="solid"/>
+        </a:ln>
+      </a:lnStyleLst>
+      <a:effectStyleLst>
+        <a:effectStyle>
+          <a:effectLst>
+            <a:outerShdw blurRad="40000" dist="20000" dir="5400000" rotWithShape="0">
+              <a:srgbClr val="000000">
+                <a:alpha val="38000"/>
+              </a:srgbClr>
+            </a:outerShdw>
+          </a:effectLst>
+        </a:effectStyle>
+        <a:effectStyle>
+          <a:effectLst>
+            <a:outerShdw blurRad="40000" dist="23000" dir="5400000" rotWithShape="0">
+              <a:srgbClr val="000000">
+                <a:alpha val="35000"/>
+              </a:srgbClr>
+            </a:outerShdw>
+          </a:effectLst>
+        </a:effectStyle>
+        <a:effectStyle>
+          <a:effectLst>
+            <a:outerShdw blurRad="40000" dist="23000" dir="5400000" rotWithShape="0">
+              <a:srgbClr val="000000">
+                <a:alpha val="35000"/>
+              </a:srgbClr>
+            </a:outerShdw>
+          </a:effectLst>
+          <a:scene3d>
+            <a:camera prst="orthographicFront">
+              <a:rot lat="0" lon="0" rev="0"/>
+            </a:camera>
+            <a:lightRig rig="threePt" dir="t">
+              <a:rot lat="0" lon="0" rev="1200000"/>
+            </a:lightRig>
+          </a:scene3d>
+          <a:sp3d>
+            <a:bevelT w="63500" h="25400"/>
+          </a:sp3d>
+        </a:effectStyle>
+      </a:effectStyleLst>
+      <a:bgFillStyleLst>
+        <a:solidFill>
+          <a:schemeClr val="phClr"/>
+        </a:solidFill>
+        <a:gradFill rotWithShape="1">
+          <a:gsLst>
+            <a:gs pos="0">
+              <a:schemeClr val="phClr">
+                <a:tint val="40000"/>
+                <a:satMod val="350000"/>
+              </a:schemeClr>
+            </a:gs>
+            <a:gs pos="40000">
+              <a:schemeClr val="phClr">
+                <a:tint val="45000"/>
+                <a:shade val="99000"/>
+                <a:satMod val="350000"/>
+              </a:schemeClr>
+            </a:gs>
+            <a:gs pos="100000">
+              <a:schemeClr val="phClr">
+                <a:shade val="20000"/>
+                <a:satMod val="255000"/>
+              </a:schemeClr>
+            </a:gs>
+          </a:gsLst>
+          <a:path path="circle">
+            <a:fillToRect l="50000" t="-80000" r="50000" b="180000"/>
+          </a:path>
+        </a:gradFill>
+        <a:gradFill rotWithShape="1">
+          <a:gsLst>
+            <a:gs pos="0">
+              <a:schemeClr val="phClr">
+                <a:tint val="80000"/>
+                <a:satMod val="300000"/>
+              </a:schemeClr>
+            </a:gs>
+            <a:gs pos="100000">
+              <a:schemeClr val="phClr">
+                <a:shade val="30000"/>
+                <a:satMod val="200000"/>
+              </a:schemeClr>
+            </a:gs>
+          </a:gsLst>
+          <a:path path="circle">
+            <a:fillToRect l="50000" t="50000" r="50000" b="50000"/>
+          </a:path>
+        </a:gradFill>
+      </a:bgFillStyleLst>
+    </a:fmtScheme>
+  </a:themeElements>
+</a:theme>
+</file>
+
+<file path=ppt/theme/theme2.xml><?xml version="1.0" encoding="utf-8"?>
 <a:theme xmlns:a="http://schemas.openxmlformats.org/drawingml/2006/main" xmlns:r="http://schemas.openxmlformats.org/officeDocument/2006/relationships" name="Gameday">
   <a:themeElements>
     <a:clrScheme name="Gameday">
@@ -14433,283 +14882,4 @@
     </a:fmtScheme>
   </a:themeElements>
 </a:theme>
-</file>
-
-<file path=ppt/theme/theme2.xml><?xml version="1.0" encoding="utf-8"?>
-<a:theme xmlns:a="http://schemas.openxmlformats.org/drawingml/2006/main" xmlns:r="http://schemas.openxmlformats.org/officeDocument/2006/relationships">
-  <a:themeElements>
-    <a:clrScheme name="Default">
-      <a:dk1>
-        <a:srgbClr val="000000"/>
-      </a:dk1>
-      <a:lt1>
-        <a:srgbClr val="FFFFFF"/>
-      </a:lt1>
-      <a:dk2>
-        <a:srgbClr val="158158"/>
-      </a:dk2>
-      <a:lt2>
-        <a:srgbClr val="F3F3F3"/>
-      </a:lt2>
-      <a:accent1>
-        <a:srgbClr val="058DC7"/>
-      </a:accent1>
-      <a:accent2>
-        <a:srgbClr val="50B432"/>
-      </a:accent2>
-      <a:accent3>
-        <a:srgbClr val="ED561B"/>
-      </a:accent3>
-      <a:accent4>
-        <a:srgbClr val="EDEF00"/>
-      </a:accent4>
-      <a:accent5>
-        <a:srgbClr val="24CBE5"/>
-      </a:accent5>
-      <a:accent6>
-        <a:srgbClr val="64E572"/>
-      </a:accent6>
-      <a:hlink>
-        <a:srgbClr val="2200CC"/>
-      </a:hlink>
-      <a:folHlink>
-        <a:srgbClr val="551A8B"/>
-      </a:folHlink>
-    </a:clrScheme>
-    <a:fontScheme name="Office">
-      <a:majorFont>
-        <a:latin typeface="Arial"/>
-        <a:ea typeface=""/>
-        <a:cs typeface=""/>
-        <a:font script="Jpan" typeface="ＭＳ Ｐゴシック"/>
-        <a:font script="Hang" typeface="맑은 고딕"/>
-        <a:font script="Hans" typeface="宋体"/>
-        <a:font script="Hant" typeface="新細明體"/>
-        <a:font script="Arab" typeface="Times New Roman"/>
-        <a:font script="Hebr" typeface="Times New Roman"/>
-        <a:font script="Thai" typeface="Angsana New"/>
-        <a:font script="Ethi" typeface="Nyala"/>
-        <a:font script="Beng" typeface="Vrinda"/>
-        <a:font script="Gujr" typeface="Shruti"/>
-        <a:font script="Khmr" typeface="MoolBoran"/>
-        <a:font script="Knda" typeface="Tunga"/>
-        <a:font script="Guru" typeface="Raavi"/>
-        <a:font script="Cans" typeface="Euphemia"/>
-        <a:font script="Cher" typeface="Plantagenet Cherokee"/>
-        <a:font script="Yiii" typeface="Microsoft Yi Baiti"/>
-        <a:font script="Tibt" typeface="Microsoft Himalaya"/>
-        <a:font script="Thaa" typeface="MV Boli"/>
-        <a:font script="Deva" typeface="Mangal"/>
-        <a:font script="Telu" typeface="Gautami"/>
-        <a:font script="Taml" typeface="Latha"/>
-        <a:font script="Syrc" typeface="Estrangelo Edessa"/>
-        <a:font script="Orya" typeface="Kalinga"/>
-        <a:font script="Mlym" typeface="Kartika"/>
-        <a:font script="Laoo" typeface="DokChampa"/>
-        <a:font script="Sinh" typeface="Iskoola Pota"/>
-        <a:font script="Mong" typeface="Mongolian Baiti"/>
-        <a:font script="Viet" typeface="Times New Roman"/>
-        <a:font script="Uigh" typeface="Microsoft Uighur"/>
-        <a:font script="Geor" typeface="Sylfaen"/>
-      </a:majorFont>
-      <a:minorFont>
-        <a:latin typeface="Arial"/>
-        <a:ea typeface=""/>
-        <a:cs typeface=""/>
-        <a:font script="Jpan" typeface="ＭＳ Ｐゴシック"/>
-        <a:font script="Hang" typeface="맑은 고딕"/>
-        <a:font script="Hans" typeface="宋体"/>
-        <a:font script="Hant" typeface="新細明體"/>
-        <a:font script="Arab" typeface="Arial"/>
-        <a:font script="Hebr" typeface="Arial"/>
-        <a:font script="Thai" typeface="Cordia New"/>
-        <a:font script="Ethi" typeface="Nyala"/>
-        <a:font script="Beng" typeface="Vrinda"/>
-        <a:font script="Gujr" typeface="Shruti"/>
-        <a:font script="Khmr" typeface="DaunPenh"/>
-        <a:font script="Knda" typeface="Tunga"/>
-        <a:font script="Guru" typeface="Raavi"/>
-        <a:font script="Cans" typeface="Euphemia"/>
-        <a:font script="Cher" typeface="Plantagenet Cherokee"/>
-        <a:font script="Yiii" typeface="Microsoft Yi Baiti"/>
-        <a:font script="Tibt" typeface="Microsoft Himalaya"/>
-        <a:font script="Thaa" typeface="MV Boli"/>
-        <a:font script="Deva" typeface="Mangal"/>
-        <a:font script="Telu" typeface="Gautami"/>
-        <a:font script="Taml" typeface="Latha"/>
-        <a:font script="Syrc" typeface="Estrangelo Edessa"/>
-        <a:font script="Orya" typeface="Kalinga"/>
-        <a:font script="Mlym" typeface="Kartika"/>
-        <a:font script="Laoo" typeface="DokChampa"/>
-        <a:font script="Sinh" typeface="Iskoola Pota"/>
-        <a:font script="Mong" typeface="Mongolian Baiti"/>
-        <a:font script="Viet" typeface="Arial"/>
-        <a:font script="Uigh" typeface="Microsoft Uighur"/>
-        <a:font script="Geor" typeface="Sylfaen"/>
-      </a:minorFont>
-    </a:fontScheme>
-    <a:fmtScheme name="Office">
-      <a:fillStyleLst>
-        <a:solidFill>
-          <a:schemeClr val="phClr"/>
-        </a:solidFill>
-        <a:gradFill rotWithShape="1">
-          <a:gsLst>
-            <a:gs pos="0">
-              <a:schemeClr val="phClr">
-                <a:tint val="50000"/>
-                <a:satMod val="300000"/>
-              </a:schemeClr>
-            </a:gs>
-            <a:gs pos="35000">
-              <a:schemeClr val="phClr">
-                <a:tint val="37000"/>
-                <a:satMod val="300000"/>
-              </a:schemeClr>
-            </a:gs>
-            <a:gs pos="100000">
-              <a:schemeClr val="phClr">
-                <a:tint val="15000"/>
-                <a:satMod val="350000"/>
-              </a:schemeClr>
-            </a:gs>
-          </a:gsLst>
-          <a:lin ang="16200000" scaled="1"/>
-        </a:gradFill>
-        <a:gradFill rotWithShape="1">
-          <a:gsLst>
-            <a:gs pos="0">
-              <a:schemeClr val="phClr">
-                <a:tint val="100000"/>
-                <a:shade val="100000"/>
-                <a:satMod val="130000"/>
-              </a:schemeClr>
-            </a:gs>
-            <a:gs pos="100000">
-              <a:schemeClr val="phClr">
-                <a:tint val="50000"/>
-                <a:shade val="100000"/>
-                <a:satMod val="350000"/>
-              </a:schemeClr>
-            </a:gs>
-          </a:gsLst>
-          <a:lin ang="16200000" scaled="0"/>
-        </a:gradFill>
-      </a:fillStyleLst>
-      <a:lnStyleLst>
-        <a:ln w="9525" cap="flat" cmpd="sng" algn="ctr">
-          <a:solidFill>
-            <a:schemeClr val="phClr">
-              <a:shade val="95000"/>
-              <a:satMod val="105000"/>
-            </a:schemeClr>
-          </a:solidFill>
-          <a:prstDash val="solid"/>
-        </a:ln>
-        <a:ln w="25400" cap="flat" cmpd="sng" algn="ctr">
-          <a:solidFill>
-            <a:schemeClr val="phClr"/>
-          </a:solidFill>
-          <a:prstDash val="solid"/>
-        </a:ln>
-        <a:ln w="38100" cap="flat" cmpd="sng" algn="ctr">
-          <a:solidFill>
-            <a:schemeClr val="phClr"/>
-          </a:solidFill>
-          <a:prstDash val="solid"/>
-        </a:ln>
-      </a:lnStyleLst>
-      <a:effectStyleLst>
-        <a:effectStyle>
-          <a:effectLst>
-            <a:outerShdw blurRad="40000" dist="20000" dir="5400000" rotWithShape="0">
-              <a:srgbClr val="000000">
-                <a:alpha val="38000"/>
-              </a:srgbClr>
-            </a:outerShdw>
-          </a:effectLst>
-        </a:effectStyle>
-        <a:effectStyle>
-          <a:effectLst>
-            <a:outerShdw blurRad="40000" dist="23000" dir="5400000" rotWithShape="0">
-              <a:srgbClr val="000000">
-                <a:alpha val="35000"/>
-              </a:srgbClr>
-            </a:outerShdw>
-          </a:effectLst>
-        </a:effectStyle>
-        <a:effectStyle>
-          <a:effectLst>
-            <a:outerShdw blurRad="40000" dist="23000" dir="5400000" rotWithShape="0">
-              <a:srgbClr val="000000">
-                <a:alpha val="35000"/>
-              </a:srgbClr>
-            </a:outerShdw>
-          </a:effectLst>
-          <a:scene3d>
-            <a:camera prst="orthographicFront">
-              <a:rot lat="0" lon="0" rev="0"/>
-            </a:camera>
-            <a:lightRig rig="threePt" dir="t">
-              <a:rot lat="0" lon="0" rev="1200000"/>
-            </a:lightRig>
-          </a:scene3d>
-          <a:sp3d>
-            <a:bevelT w="63500" h="25400"/>
-          </a:sp3d>
-        </a:effectStyle>
-      </a:effectStyleLst>
-      <a:bgFillStyleLst>
-        <a:solidFill>
-          <a:schemeClr val="phClr"/>
-        </a:solidFill>
-        <a:gradFill rotWithShape="1">
-          <a:gsLst>
-            <a:gs pos="0">
-              <a:schemeClr val="phClr">
-                <a:tint val="40000"/>
-                <a:satMod val="350000"/>
-              </a:schemeClr>
-            </a:gs>
-            <a:gs pos="40000">
-              <a:schemeClr val="phClr">
-                <a:tint val="45000"/>
-                <a:shade val="99000"/>
-                <a:satMod val="350000"/>
-              </a:schemeClr>
-            </a:gs>
-            <a:gs pos="100000">
-              <a:schemeClr val="phClr">
-                <a:shade val="20000"/>
-                <a:satMod val="255000"/>
-              </a:schemeClr>
-            </a:gs>
-          </a:gsLst>
-          <a:path path="circle">
-            <a:fillToRect l="50000" t="-80000" r="50000" b="180000"/>
-          </a:path>
-        </a:gradFill>
-        <a:gradFill rotWithShape="1">
-          <a:gsLst>
-            <a:gs pos="0">
-              <a:schemeClr val="phClr">
-                <a:tint val="80000"/>
-                <a:satMod val="300000"/>
-              </a:schemeClr>
-            </a:gs>
-            <a:gs pos="100000">
-              <a:schemeClr val="phClr">
-                <a:shade val="30000"/>
-                <a:satMod val="200000"/>
-              </a:schemeClr>
-            </a:gs>
-          </a:gsLst>
-          <a:path path="circle">
-            <a:fillToRect l="50000" t="50000" r="50000" b="50000"/>
-          </a:path>
-        </a:gradFill>
-      </a:bgFillStyleLst>
-    </a:fmtScheme>
-  </a:themeElements>
-</a:theme>
 </file>
--- a/My_Project/Documentation/Implement_Trace_SDR_Method.pptx
+++ b/My_Project/Documentation/Implement_Trace_SDR_Method.pptx
@@ -7601,7 +7601,7 @@
                   <a:cs typeface="Georgia"/>
                   <a:sym typeface="Georgia"/>
                 </a:rPr>
-                <a:t>Code Demostration</a:t>
+                <a:t>Code Demonstration</a:t>
               </a:r>
               <a:endParaRPr>
                 <a:solidFill>
@@ -9676,7 +9676,7 @@
             <a:tbl>
               <a:tblPr>
                 <a:noFill/>
-                <a:tableStyleId>{56D47B50-E1FD-4431-977C-430FFA911D19}</a:tableStyleId>
+                <a:tableStyleId>{C3A81D65-5137-4712-BD06-376155451D85}</a:tableStyleId>
               </a:tblPr>
               <a:tblGrid>
                 <a:gridCol w="5731200"/>
@@ -9735,7 +9735,7 @@
             <a:tbl>
               <a:tblPr>
                 <a:noFill/>
-                <a:tableStyleId>{56D47B50-E1FD-4431-977C-430FFA911D19}</a:tableStyleId>
+                <a:tableStyleId>{C3A81D65-5137-4712-BD06-376155451D85}</a:tableStyleId>
               </a:tblPr>
               <a:tblGrid>
                 <a:gridCol w="5731200"/>
